--- a/Slides/Football 1/Footballl_1_Lecture.pptx
+++ b/Slides/Football 1/Footballl_1_Lecture.pptx
@@ -218,7 +218,7 @@
           <a:p>
             <a:fld id="{C04E5E84-956F-4423-97B3-5936A6D8EEEE}" type="datetimeFigureOut">
               <a:rPr lang="en-US" smtClean="0"/>
-              <a:t>10/14/2019</a:t>
+              <a:t>10/14/2020</a:t>
             </a:fld>
             <a:endParaRPr lang="en-US"/>
           </a:p>
@@ -670,7 +670,7 @@
           <a:p>
             <a:fld id="{3881C039-66A3-4640-815B-3B5A8B7D868D}" type="datetimeFigureOut">
               <a:rPr lang="en-US" smtClean="0"/>
-              <a:t>10/14/2019</a:t>
+              <a:t>10/14/2020</a:t>
             </a:fld>
             <a:endParaRPr lang="en-US"/>
           </a:p>
@@ -968,7 +968,7 @@
           <a:p>
             <a:fld id="{3881C039-66A3-4640-815B-3B5A8B7D868D}" type="datetimeFigureOut">
               <a:rPr lang="en-US" smtClean="0"/>
-              <a:t>10/14/2019</a:t>
+              <a:t>10/14/2020</a:t>
             </a:fld>
             <a:endParaRPr lang="en-US"/>
           </a:p>
@@ -1160,7 +1160,7 @@
           <a:p>
             <a:fld id="{3881C039-66A3-4640-815B-3B5A8B7D868D}" type="datetimeFigureOut">
               <a:rPr lang="en-US" smtClean="0"/>
-              <a:t>10/14/2019</a:t>
+              <a:t>10/14/2020</a:t>
             </a:fld>
             <a:endParaRPr lang="en-US"/>
           </a:p>
@@ -1421,7 +1421,7 @@
           <a:p>
             <a:fld id="{3881C039-66A3-4640-815B-3B5A8B7D868D}" type="datetimeFigureOut">
               <a:rPr lang="en-US" smtClean="0"/>
-              <a:t>10/14/2019</a:t>
+              <a:t>10/14/2020</a:t>
             </a:fld>
             <a:endParaRPr lang="en-US"/>
           </a:p>
@@ -1845,7 +1845,7 @@
           <a:p>
             <a:fld id="{3881C039-66A3-4640-815B-3B5A8B7D868D}" type="datetimeFigureOut">
               <a:rPr lang="en-US" smtClean="0"/>
-              <a:t>10/14/2019</a:t>
+              <a:t>10/14/2020</a:t>
             </a:fld>
             <a:endParaRPr lang="en-US"/>
           </a:p>
@@ -2382,7 +2382,7 @@
           <a:p>
             <a:fld id="{3881C039-66A3-4640-815B-3B5A8B7D868D}" type="datetimeFigureOut">
               <a:rPr lang="en-US" smtClean="0"/>
-              <a:t>10/14/2019</a:t>
+              <a:t>10/14/2020</a:t>
             </a:fld>
             <a:endParaRPr lang="en-US"/>
           </a:p>
@@ -3246,7 +3246,7 @@
           <a:p>
             <a:fld id="{3881C039-66A3-4640-815B-3B5A8B7D868D}" type="datetimeFigureOut">
               <a:rPr lang="en-US" smtClean="0"/>
-              <a:t>10/14/2019</a:t>
+              <a:t>10/14/2020</a:t>
             </a:fld>
             <a:endParaRPr lang="en-US"/>
           </a:p>
@@ -3416,7 +3416,7 @@
           <a:p>
             <a:fld id="{3881C039-66A3-4640-815B-3B5A8B7D868D}" type="datetimeFigureOut">
               <a:rPr lang="en-US" smtClean="0"/>
-              <a:t>10/14/2019</a:t>
+              <a:t>10/14/2020</a:t>
             </a:fld>
             <a:endParaRPr lang="en-US"/>
           </a:p>
@@ -3600,7 +3600,7 @@
           <a:p>
             <a:fld id="{3881C039-66A3-4640-815B-3B5A8B7D868D}" type="datetimeFigureOut">
               <a:rPr lang="en-US" smtClean="0"/>
-              <a:t>10/14/2019</a:t>
+              <a:t>10/14/2020</a:t>
             </a:fld>
             <a:endParaRPr lang="en-US"/>
           </a:p>
@@ -3770,7 +3770,7 @@
           <a:p>
             <a:fld id="{3881C039-66A3-4640-815B-3B5A8B7D868D}" type="datetimeFigureOut">
               <a:rPr lang="en-US" smtClean="0"/>
-              <a:t>10/14/2019</a:t>
+              <a:t>10/14/2020</a:t>
             </a:fld>
             <a:endParaRPr lang="en-US"/>
           </a:p>
@@ -4014,7 +4014,7 @@
           <a:p>
             <a:fld id="{3881C039-66A3-4640-815B-3B5A8B7D868D}" type="datetimeFigureOut">
               <a:rPr lang="en-US" smtClean="0"/>
-              <a:t>10/14/2019</a:t>
+              <a:t>10/14/2020</a:t>
             </a:fld>
             <a:endParaRPr lang="en-US"/>
           </a:p>
@@ -4250,7 +4250,7 @@
           <a:p>
             <a:fld id="{3881C039-66A3-4640-815B-3B5A8B7D868D}" type="datetimeFigureOut">
               <a:rPr lang="en-US" smtClean="0"/>
-              <a:t>10/14/2019</a:t>
+              <a:t>10/14/2020</a:t>
             </a:fld>
             <a:endParaRPr lang="en-US"/>
           </a:p>
@@ -4716,7 +4716,7 @@
           <a:p>
             <a:fld id="{3881C039-66A3-4640-815B-3B5A8B7D868D}" type="datetimeFigureOut">
               <a:rPr lang="en-US" smtClean="0"/>
-              <a:t>10/14/2019</a:t>
+              <a:t>10/14/2020</a:t>
             </a:fld>
             <a:endParaRPr lang="en-US"/>
           </a:p>
@@ -4834,7 +4834,7 @@
           <a:p>
             <a:fld id="{3881C039-66A3-4640-815B-3B5A8B7D868D}" type="datetimeFigureOut">
               <a:rPr lang="en-US" smtClean="0"/>
-              <a:t>10/14/2019</a:t>
+              <a:t>10/14/2020</a:t>
             </a:fld>
             <a:endParaRPr lang="en-US"/>
           </a:p>
@@ -4929,7 +4929,7 @@
           <a:p>
             <a:fld id="{3881C039-66A3-4640-815B-3B5A8B7D868D}" type="datetimeFigureOut">
               <a:rPr lang="en-US" smtClean="0"/>
-              <a:t>10/14/2019</a:t>
+              <a:t>10/14/2020</a:t>
             </a:fld>
             <a:endParaRPr lang="en-US"/>
           </a:p>
@@ -5184,7 +5184,7 @@
           <a:p>
             <a:fld id="{3881C039-66A3-4640-815B-3B5A8B7D868D}" type="datetimeFigureOut">
               <a:rPr lang="en-US" smtClean="0"/>
-              <a:t>10/14/2019</a:t>
+              <a:t>10/14/2020</a:t>
             </a:fld>
             <a:endParaRPr lang="en-US"/>
           </a:p>
@@ -5484,7 +5484,7 @@
           <a:p>
             <a:fld id="{3881C039-66A3-4640-815B-3B5A8B7D868D}" type="datetimeFigureOut">
               <a:rPr lang="en-US" smtClean="0"/>
-              <a:t>10/14/2019</a:t>
+              <a:t>10/14/2020</a:t>
             </a:fld>
             <a:endParaRPr lang="en-US"/>
           </a:p>
@@ -5718,7 +5718,7 @@
           <a:p>
             <a:fld id="{3881C039-66A3-4640-815B-3B5A8B7D868D}" type="datetimeFigureOut">
               <a:rPr lang="en-US" smtClean="0"/>
-              <a:t>10/14/2019</a:t>
+              <a:t>10/14/2020</a:t>
             </a:fld>
             <a:endParaRPr lang="en-US"/>
           </a:p>
@@ -9086,10 +9086,10 @@
                 <a:effectLst/>
                 <a:latin typeface="Selawik Semibold" panose="020B0702040204020203" pitchFamily="34" charset="0"/>
               </a:rPr>
-              <a:t>Offensive Predictors of the Scoring </a:t>
-            </a:r>
-            <a:r>
-              <a:rPr lang="en-US" sz="2400" dirty="0" err="1">
+              <a:t>Offensive Predictors of the </a:t>
+            </a:r>
+            <a:r>
+              <a:rPr lang="en-US" sz="2400">
                 <a:solidFill>
                   <a:schemeClr val="bg2">
                     <a:lumMod val="10000"/>
@@ -9099,21 +9099,18 @@
                 <a:effectLst/>
                 <a:latin typeface="Selawik Semibold" panose="020B0702040204020203" pitchFamily="34" charset="0"/>
               </a:rPr>
-              <a:t>Magin</a:t>
-            </a:r>
-            <a:r>
-              <a:rPr lang="en-US" sz="2400" dirty="0">
-                <a:solidFill>
-                  <a:schemeClr val="bg2">
-                    <a:lumMod val="10000"/>
-                    <a:lumOff val="90000"/>
-                  </a:schemeClr>
-                </a:solidFill>
-                <a:effectLst/>
-                <a:latin typeface="Selawik Semibold" panose="020B0702040204020203" pitchFamily="34" charset="0"/>
-              </a:rPr>
-              <a:t> </a:t>
-            </a:r>
+              <a:t>Scoring Margin </a:t>
+            </a:r>
+            <a:endParaRPr lang="en-US" sz="2400" dirty="0">
+              <a:solidFill>
+                <a:schemeClr val="bg2">
+                  <a:lumMod val="10000"/>
+                  <a:lumOff val="90000"/>
+                </a:schemeClr>
+              </a:solidFill>
+              <a:effectLst/>
+              <a:latin typeface="Selawik Semibold" panose="020B0702040204020203" pitchFamily="34" charset="0"/>
+            </a:endParaRPr>
           </a:p>
           <a:p>
             <a:pPr marL="377100" lvl="1" indent="0">

--- a/Slides/Football 1/Footballl_1_Lecture.pptx
+++ b/Slides/Football 1/Footballl_1_Lecture.pptx
@@ -218,7 +218,7 @@
           <a:p>
             <a:fld id="{C04E5E84-956F-4423-97B3-5936A6D8EEEE}" type="datetimeFigureOut">
               <a:rPr lang="en-US" smtClean="0"/>
-              <a:t>10/14/2020</a:t>
+              <a:t>3/18/2021</a:t>
             </a:fld>
             <a:endParaRPr lang="en-US"/>
           </a:p>
@@ -670,7 +670,7 @@
           <a:p>
             <a:fld id="{3881C039-66A3-4640-815B-3B5A8B7D868D}" type="datetimeFigureOut">
               <a:rPr lang="en-US" smtClean="0"/>
-              <a:t>10/14/2020</a:t>
+              <a:t>3/18/2021</a:t>
             </a:fld>
             <a:endParaRPr lang="en-US"/>
           </a:p>
@@ -968,7 +968,7 @@
           <a:p>
             <a:fld id="{3881C039-66A3-4640-815B-3B5A8B7D868D}" type="datetimeFigureOut">
               <a:rPr lang="en-US" smtClean="0"/>
-              <a:t>10/14/2020</a:t>
+              <a:t>3/18/2021</a:t>
             </a:fld>
             <a:endParaRPr lang="en-US"/>
           </a:p>
@@ -1160,7 +1160,7 @@
           <a:p>
             <a:fld id="{3881C039-66A3-4640-815B-3B5A8B7D868D}" type="datetimeFigureOut">
               <a:rPr lang="en-US" smtClean="0"/>
-              <a:t>10/14/2020</a:t>
+              <a:t>3/18/2021</a:t>
             </a:fld>
             <a:endParaRPr lang="en-US"/>
           </a:p>
@@ -1421,7 +1421,7 @@
           <a:p>
             <a:fld id="{3881C039-66A3-4640-815B-3B5A8B7D868D}" type="datetimeFigureOut">
               <a:rPr lang="en-US" smtClean="0"/>
-              <a:t>10/14/2020</a:t>
+              <a:t>3/18/2021</a:t>
             </a:fld>
             <a:endParaRPr lang="en-US"/>
           </a:p>
@@ -1845,7 +1845,7 @@
           <a:p>
             <a:fld id="{3881C039-66A3-4640-815B-3B5A8B7D868D}" type="datetimeFigureOut">
               <a:rPr lang="en-US" smtClean="0"/>
-              <a:t>10/14/2020</a:t>
+              <a:t>3/18/2021</a:t>
             </a:fld>
             <a:endParaRPr lang="en-US"/>
           </a:p>
@@ -2382,7 +2382,7 @@
           <a:p>
             <a:fld id="{3881C039-66A3-4640-815B-3B5A8B7D868D}" type="datetimeFigureOut">
               <a:rPr lang="en-US" smtClean="0"/>
-              <a:t>10/14/2020</a:t>
+              <a:t>3/18/2021</a:t>
             </a:fld>
             <a:endParaRPr lang="en-US"/>
           </a:p>
@@ -3246,7 +3246,7 @@
           <a:p>
             <a:fld id="{3881C039-66A3-4640-815B-3B5A8B7D868D}" type="datetimeFigureOut">
               <a:rPr lang="en-US" smtClean="0"/>
-              <a:t>10/14/2020</a:t>
+              <a:t>3/18/2021</a:t>
             </a:fld>
             <a:endParaRPr lang="en-US"/>
           </a:p>
@@ -3416,7 +3416,7 @@
           <a:p>
             <a:fld id="{3881C039-66A3-4640-815B-3B5A8B7D868D}" type="datetimeFigureOut">
               <a:rPr lang="en-US" smtClean="0"/>
-              <a:t>10/14/2020</a:t>
+              <a:t>3/18/2021</a:t>
             </a:fld>
             <a:endParaRPr lang="en-US"/>
           </a:p>
@@ -3600,7 +3600,7 @@
           <a:p>
             <a:fld id="{3881C039-66A3-4640-815B-3B5A8B7D868D}" type="datetimeFigureOut">
               <a:rPr lang="en-US" smtClean="0"/>
-              <a:t>10/14/2020</a:t>
+              <a:t>3/18/2021</a:t>
             </a:fld>
             <a:endParaRPr lang="en-US"/>
           </a:p>
@@ -3770,7 +3770,7 @@
           <a:p>
             <a:fld id="{3881C039-66A3-4640-815B-3B5A8B7D868D}" type="datetimeFigureOut">
               <a:rPr lang="en-US" smtClean="0"/>
-              <a:t>10/14/2020</a:t>
+              <a:t>3/18/2021</a:t>
             </a:fld>
             <a:endParaRPr lang="en-US"/>
           </a:p>
@@ -4014,7 +4014,7 @@
           <a:p>
             <a:fld id="{3881C039-66A3-4640-815B-3B5A8B7D868D}" type="datetimeFigureOut">
               <a:rPr lang="en-US" smtClean="0"/>
-              <a:t>10/14/2020</a:t>
+              <a:t>3/18/2021</a:t>
             </a:fld>
             <a:endParaRPr lang="en-US"/>
           </a:p>
@@ -4250,7 +4250,7 @@
           <a:p>
             <a:fld id="{3881C039-66A3-4640-815B-3B5A8B7D868D}" type="datetimeFigureOut">
               <a:rPr lang="en-US" smtClean="0"/>
-              <a:t>10/14/2020</a:t>
+              <a:t>3/18/2021</a:t>
             </a:fld>
             <a:endParaRPr lang="en-US"/>
           </a:p>
@@ -4716,7 +4716,7 @@
           <a:p>
             <a:fld id="{3881C039-66A3-4640-815B-3B5A8B7D868D}" type="datetimeFigureOut">
               <a:rPr lang="en-US" smtClean="0"/>
-              <a:t>10/14/2020</a:t>
+              <a:t>3/18/2021</a:t>
             </a:fld>
             <a:endParaRPr lang="en-US"/>
           </a:p>
@@ -4834,7 +4834,7 @@
           <a:p>
             <a:fld id="{3881C039-66A3-4640-815B-3B5A8B7D868D}" type="datetimeFigureOut">
               <a:rPr lang="en-US" smtClean="0"/>
-              <a:t>10/14/2020</a:t>
+              <a:t>3/18/2021</a:t>
             </a:fld>
             <a:endParaRPr lang="en-US"/>
           </a:p>
@@ -4929,7 +4929,7 @@
           <a:p>
             <a:fld id="{3881C039-66A3-4640-815B-3B5A8B7D868D}" type="datetimeFigureOut">
               <a:rPr lang="en-US" smtClean="0"/>
-              <a:t>10/14/2020</a:t>
+              <a:t>3/18/2021</a:t>
             </a:fld>
             <a:endParaRPr lang="en-US"/>
           </a:p>
@@ -5184,7 +5184,7 @@
           <a:p>
             <a:fld id="{3881C039-66A3-4640-815B-3B5A8B7D868D}" type="datetimeFigureOut">
               <a:rPr lang="en-US" smtClean="0"/>
-              <a:t>10/14/2020</a:t>
+              <a:t>3/18/2021</a:t>
             </a:fld>
             <a:endParaRPr lang="en-US"/>
           </a:p>
@@ -5484,7 +5484,7 @@
           <a:p>
             <a:fld id="{3881C039-66A3-4640-815B-3B5A8B7D868D}" type="datetimeFigureOut">
               <a:rPr lang="en-US" smtClean="0"/>
-              <a:t>10/14/2020</a:t>
+              <a:t>3/18/2021</a:t>
             </a:fld>
             <a:endParaRPr lang="en-US"/>
           </a:p>
@@ -5718,7 +5718,7 @@
           <a:p>
             <a:fld id="{3881C039-66A3-4640-815B-3B5A8B7D868D}" type="datetimeFigureOut">
               <a:rPr lang="en-US" smtClean="0"/>
-              <a:t>10/14/2020</a:t>
+              <a:t>3/18/2021</a:t>
             </a:fld>
             <a:endParaRPr lang="en-US"/>
           </a:p>
@@ -6541,8 +6541,31 @@
                 <a:effectLst/>
                 <a:latin typeface="Selawik Semibold" panose="020B0702040204020203" pitchFamily="34" charset="0"/>
               </a:rPr>
-              <a:t>Produced by Dr. Mario | UNC STOR 390</a:t>
-            </a:r>
+              <a:t>Produced by Dr. Mario | UNC </a:t>
+            </a:r>
+            <a:r>
+              <a:rPr lang="en-US">
+                <a:ln>
+                  <a:noFill/>
+                </a:ln>
+                <a:solidFill>
+                  <a:srgbClr val="D34817"/>
+                </a:solidFill>
+                <a:effectLst/>
+                <a:latin typeface="Selawik Semibold" panose="020B0702040204020203" pitchFamily="34" charset="0"/>
+              </a:rPr>
+              <a:t>STOR 538</a:t>
+            </a:r>
+            <a:endParaRPr lang="en-US" dirty="0">
+              <a:ln>
+                <a:noFill/>
+              </a:ln>
+              <a:solidFill>
+                <a:srgbClr val="D34817"/>
+              </a:solidFill>
+              <a:effectLst/>
+              <a:latin typeface="Selawik Semibold" panose="020B0702040204020203" pitchFamily="34" charset="0"/>
+            </a:endParaRPr>
           </a:p>
         </p:txBody>
       </p:sp>

--- a/Slides/Football 1/Footballl_1_Lecture.pptx
+++ b/Slides/Football 1/Footballl_1_Lecture.pptx
@@ -218,7 +218,7 @@
           <a:p>
             <a:fld id="{C04E5E84-956F-4423-97B3-5936A6D8EEEE}" type="datetimeFigureOut">
               <a:rPr lang="en-US" smtClean="0"/>
-              <a:t>3/18/2021</a:t>
+              <a:t>10/13/2021</a:t>
             </a:fld>
             <a:endParaRPr lang="en-US"/>
           </a:p>
@@ -670,7 +670,7 @@
           <a:p>
             <a:fld id="{3881C039-66A3-4640-815B-3B5A8B7D868D}" type="datetimeFigureOut">
               <a:rPr lang="en-US" smtClean="0"/>
-              <a:t>3/18/2021</a:t>
+              <a:t>10/13/2021</a:t>
             </a:fld>
             <a:endParaRPr lang="en-US"/>
           </a:p>
@@ -968,7 +968,7 @@
           <a:p>
             <a:fld id="{3881C039-66A3-4640-815B-3B5A8B7D868D}" type="datetimeFigureOut">
               <a:rPr lang="en-US" smtClean="0"/>
-              <a:t>3/18/2021</a:t>
+              <a:t>10/13/2021</a:t>
             </a:fld>
             <a:endParaRPr lang="en-US"/>
           </a:p>
@@ -1160,7 +1160,7 @@
           <a:p>
             <a:fld id="{3881C039-66A3-4640-815B-3B5A8B7D868D}" type="datetimeFigureOut">
               <a:rPr lang="en-US" smtClean="0"/>
-              <a:t>3/18/2021</a:t>
+              <a:t>10/13/2021</a:t>
             </a:fld>
             <a:endParaRPr lang="en-US"/>
           </a:p>
@@ -1421,7 +1421,7 @@
           <a:p>
             <a:fld id="{3881C039-66A3-4640-815B-3B5A8B7D868D}" type="datetimeFigureOut">
               <a:rPr lang="en-US" smtClean="0"/>
-              <a:t>3/18/2021</a:t>
+              <a:t>10/13/2021</a:t>
             </a:fld>
             <a:endParaRPr lang="en-US"/>
           </a:p>
@@ -1845,7 +1845,7 @@
           <a:p>
             <a:fld id="{3881C039-66A3-4640-815B-3B5A8B7D868D}" type="datetimeFigureOut">
               <a:rPr lang="en-US" smtClean="0"/>
-              <a:t>3/18/2021</a:t>
+              <a:t>10/13/2021</a:t>
             </a:fld>
             <a:endParaRPr lang="en-US"/>
           </a:p>
@@ -2382,7 +2382,7 @@
           <a:p>
             <a:fld id="{3881C039-66A3-4640-815B-3B5A8B7D868D}" type="datetimeFigureOut">
               <a:rPr lang="en-US" smtClean="0"/>
-              <a:t>3/18/2021</a:t>
+              <a:t>10/13/2021</a:t>
             </a:fld>
             <a:endParaRPr lang="en-US"/>
           </a:p>
@@ -3246,7 +3246,7 @@
           <a:p>
             <a:fld id="{3881C039-66A3-4640-815B-3B5A8B7D868D}" type="datetimeFigureOut">
               <a:rPr lang="en-US" smtClean="0"/>
-              <a:t>3/18/2021</a:t>
+              <a:t>10/13/2021</a:t>
             </a:fld>
             <a:endParaRPr lang="en-US"/>
           </a:p>
@@ -3416,7 +3416,7 @@
           <a:p>
             <a:fld id="{3881C039-66A3-4640-815B-3B5A8B7D868D}" type="datetimeFigureOut">
               <a:rPr lang="en-US" smtClean="0"/>
-              <a:t>3/18/2021</a:t>
+              <a:t>10/13/2021</a:t>
             </a:fld>
             <a:endParaRPr lang="en-US"/>
           </a:p>
@@ -3600,7 +3600,7 @@
           <a:p>
             <a:fld id="{3881C039-66A3-4640-815B-3B5A8B7D868D}" type="datetimeFigureOut">
               <a:rPr lang="en-US" smtClean="0"/>
-              <a:t>3/18/2021</a:t>
+              <a:t>10/13/2021</a:t>
             </a:fld>
             <a:endParaRPr lang="en-US"/>
           </a:p>
@@ -3770,7 +3770,7 @@
           <a:p>
             <a:fld id="{3881C039-66A3-4640-815B-3B5A8B7D868D}" type="datetimeFigureOut">
               <a:rPr lang="en-US" smtClean="0"/>
-              <a:t>3/18/2021</a:t>
+              <a:t>10/13/2021</a:t>
             </a:fld>
             <a:endParaRPr lang="en-US"/>
           </a:p>
@@ -4014,7 +4014,7 @@
           <a:p>
             <a:fld id="{3881C039-66A3-4640-815B-3B5A8B7D868D}" type="datetimeFigureOut">
               <a:rPr lang="en-US" smtClean="0"/>
-              <a:t>3/18/2021</a:t>
+              <a:t>10/13/2021</a:t>
             </a:fld>
             <a:endParaRPr lang="en-US"/>
           </a:p>
@@ -4250,7 +4250,7 @@
           <a:p>
             <a:fld id="{3881C039-66A3-4640-815B-3B5A8B7D868D}" type="datetimeFigureOut">
               <a:rPr lang="en-US" smtClean="0"/>
-              <a:t>3/18/2021</a:t>
+              <a:t>10/13/2021</a:t>
             </a:fld>
             <a:endParaRPr lang="en-US"/>
           </a:p>
@@ -4716,7 +4716,7 @@
           <a:p>
             <a:fld id="{3881C039-66A3-4640-815B-3B5A8B7D868D}" type="datetimeFigureOut">
               <a:rPr lang="en-US" smtClean="0"/>
-              <a:t>3/18/2021</a:t>
+              <a:t>10/13/2021</a:t>
             </a:fld>
             <a:endParaRPr lang="en-US"/>
           </a:p>
@@ -4834,7 +4834,7 @@
           <a:p>
             <a:fld id="{3881C039-66A3-4640-815B-3B5A8B7D868D}" type="datetimeFigureOut">
               <a:rPr lang="en-US" smtClean="0"/>
-              <a:t>3/18/2021</a:t>
+              <a:t>10/13/2021</a:t>
             </a:fld>
             <a:endParaRPr lang="en-US"/>
           </a:p>
@@ -4929,7 +4929,7 @@
           <a:p>
             <a:fld id="{3881C039-66A3-4640-815B-3B5A8B7D868D}" type="datetimeFigureOut">
               <a:rPr lang="en-US" smtClean="0"/>
-              <a:t>3/18/2021</a:t>
+              <a:t>10/13/2021</a:t>
             </a:fld>
             <a:endParaRPr lang="en-US"/>
           </a:p>
@@ -5184,7 +5184,7 @@
           <a:p>
             <a:fld id="{3881C039-66A3-4640-815B-3B5A8B7D868D}" type="datetimeFigureOut">
               <a:rPr lang="en-US" smtClean="0"/>
-              <a:t>3/18/2021</a:t>
+              <a:t>10/13/2021</a:t>
             </a:fld>
             <a:endParaRPr lang="en-US"/>
           </a:p>
@@ -5484,7 +5484,7 @@
           <a:p>
             <a:fld id="{3881C039-66A3-4640-815B-3B5A8B7D868D}" type="datetimeFigureOut">
               <a:rPr lang="en-US" smtClean="0"/>
-              <a:t>3/18/2021</a:t>
+              <a:t>10/13/2021</a:t>
             </a:fld>
             <a:endParaRPr lang="en-US"/>
           </a:p>
@@ -5718,7 +5718,7 @@
           <a:p>
             <a:fld id="{3881C039-66A3-4640-815B-3B5A8B7D868D}" type="datetimeFigureOut">
               <a:rPr lang="en-US" smtClean="0"/>
-              <a:t>3/18/2021</a:t>
+              <a:t>10/13/2021</a:t>
             </a:fld>
             <a:endParaRPr lang="en-US"/>
           </a:p>
@@ -8178,7 +8178,7 @@
                 <a:effectLst/>
                 <a:latin typeface="Selawik Semibold" panose="020B0702040204020203" pitchFamily="34" charset="0"/>
               </a:rPr>
-              <a:t>Both Passing and Rushing Attempts Use Up a Down</a:t>
+              <a:t>Both Passing and Rushing Attempts Use a Down</a:t>
             </a:r>
           </a:p>
           <a:p>
@@ -13191,7 +13191,7 @@
                 <a:effectLst/>
                 <a:latin typeface="Selawik Semibold" panose="020B0702040204020203" pitchFamily="34" charset="0"/>
               </a:rPr>
-              <a:t>Offensive TOs Worth 3.7 Points</a:t>
+              <a:t>Offensive TOs Costs 3.4 Points</a:t>
             </a:r>
           </a:p>
           <a:p>
@@ -13220,7 +13220,7 @@
                 <a:effectLst/>
                 <a:latin typeface="Selawik Semibold" panose="020B0702040204020203" pitchFamily="34" charset="0"/>
               </a:rPr>
-              <a:t>Defensive TOs Worth 3.4 Points</a:t>
+              <a:t>Defensive TOs Worth 3.7 Points</a:t>
             </a:r>
           </a:p>
           <a:p>

--- a/Slides/Football 1/Footballl_1_Lecture.pptx
+++ b/Slides/Football 1/Footballl_1_Lecture.pptx
@@ -218,7 +218,7 @@
           <a:p>
             <a:fld id="{C04E5E84-956F-4423-97B3-5936A6D8EEEE}" type="datetimeFigureOut">
               <a:rPr lang="en-US" smtClean="0"/>
-              <a:t>10/13/2021</a:t>
+              <a:t>3/26/2023</a:t>
             </a:fld>
             <a:endParaRPr lang="en-US"/>
           </a:p>
@@ -670,7 +670,7 @@
           <a:p>
             <a:fld id="{3881C039-66A3-4640-815B-3B5A8B7D868D}" type="datetimeFigureOut">
               <a:rPr lang="en-US" smtClean="0"/>
-              <a:t>10/13/2021</a:t>
+              <a:t>3/26/2023</a:t>
             </a:fld>
             <a:endParaRPr lang="en-US"/>
           </a:p>
@@ -968,7 +968,7 @@
           <a:p>
             <a:fld id="{3881C039-66A3-4640-815B-3B5A8B7D868D}" type="datetimeFigureOut">
               <a:rPr lang="en-US" smtClean="0"/>
-              <a:t>10/13/2021</a:t>
+              <a:t>3/26/2023</a:t>
             </a:fld>
             <a:endParaRPr lang="en-US"/>
           </a:p>
@@ -1160,7 +1160,7 @@
           <a:p>
             <a:fld id="{3881C039-66A3-4640-815B-3B5A8B7D868D}" type="datetimeFigureOut">
               <a:rPr lang="en-US" smtClean="0"/>
-              <a:t>10/13/2021</a:t>
+              <a:t>3/26/2023</a:t>
             </a:fld>
             <a:endParaRPr lang="en-US"/>
           </a:p>
@@ -1421,7 +1421,7 @@
           <a:p>
             <a:fld id="{3881C039-66A3-4640-815B-3B5A8B7D868D}" type="datetimeFigureOut">
               <a:rPr lang="en-US" smtClean="0"/>
-              <a:t>10/13/2021</a:t>
+              <a:t>3/26/2023</a:t>
             </a:fld>
             <a:endParaRPr lang="en-US"/>
           </a:p>
@@ -1845,7 +1845,7 @@
           <a:p>
             <a:fld id="{3881C039-66A3-4640-815B-3B5A8B7D868D}" type="datetimeFigureOut">
               <a:rPr lang="en-US" smtClean="0"/>
-              <a:t>10/13/2021</a:t>
+              <a:t>3/26/2023</a:t>
             </a:fld>
             <a:endParaRPr lang="en-US"/>
           </a:p>
@@ -2382,7 +2382,7 @@
           <a:p>
             <a:fld id="{3881C039-66A3-4640-815B-3B5A8B7D868D}" type="datetimeFigureOut">
               <a:rPr lang="en-US" smtClean="0"/>
-              <a:t>10/13/2021</a:t>
+              <a:t>3/26/2023</a:t>
             </a:fld>
             <a:endParaRPr lang="en-US"/>
           </a:p>
@@ -3246,7 +3246,7 @@
           <a:p>
             <a:fld id="{3881C039-66A3-4640-815B-3B5A8B7D868D}" type="datetimeFigureOut">
               <a:rPr lang="en-US" smtClean="0"/>
-              <a:t>10/13/2021</a:t>
+              <a:t>3/26/2023</a:t>
             </a:fld>
             <a:endParaRPr lang="en-US"/>
           </a:p>
@@ -3416,7 +3416,7 @@
           <a:p>
             <a:fld id="{3881C039-66A3-4640-815B-3B5A8B7D868D}" type="datetimeFigureOut">
               <a:rPr lang="en-US" smtClean="0"/>
-              <a:t>10/13/2021</a:t>
+              <a:t>3/26/2023</a:t>
             </a:fld>
             <a:endParaRPr lang="en-US"/>
           </a:p>
@@ -3600,7 +3600,7 @@
           <a:p>
             <a:fld id="{3881C039-66A3-4640-815B-3B5A8B7D868D}" type="datetimeFigureOut">
               <a:rPr lang="en-US" smtClean="0"/>
-              <a:t>10/13/2021</a:t>
+              <a:t>3/26/2023</a:t>
             </a:fld>
             <a:endParaRPr lang="en-US"/>
           </a:p>
@@ -3770,7 +3770,7 @@
           <a:p>
             <a:fld id="{3881C039-66A3-4640-815B-3B5A8B7D868D}" type="datetimeFigureOut">
               <a:rPr lang="en-US" smtClean="0"/>
-              <a:t>10/13/2021</a:t>
+              <a:t>3/26/2023</a:t>
             </a:fld>
             <a:endParaRPr lang="en-US"/>
           </a:p>
@@ -4014,7 +4014,7 @@
           <a:p>
             <a:fld id="{3881C039-66A3-4640-815B-3B5A8B7D868D}" type="datetimeFigureOut">
               <a:rPr lang="en-US" smtClean="0"/>
-              <a:t>10/13/2021</a:t>
+              <a:t>3/26/2023</a:t>
             </a:fld>
             <a:endParaRPr lang="en-US"/>
           </a:p>
@@ -4250,7 +4250,7 @@
           <a:p>
             <a:fld id="{3881C039-66A3-4640-815B-3B5A8B7D868D}" type="datetimeFigureOut">
               <a:rPr lang="en-US" smtClean="0"/>
-              <a:t>10/13/2021</a:t>
+              <a:t>3/26/2023</a:t>
             </a:fld>
             <a:endParaRPr lang="en-US"/>
           </a:p>
@@ -4716,7 +4716,7 @@
           <a:p>
             <a:fld id="{3881C039-66A3-4640-815B-3B5A8B7D868D}" type="datetimeFigureOut">
               <a:rPr lang="en-US" smtClean="0"/>
-              <a:t>10/13/2021</a:t>
+              <a:t>3/26/2023</a:t>
             </a:fld>
             <a:endParaRPr lang="en-US"/>
           </a:p>
@@ -4834,7 +4834,7 @@
           <a:p>
             <a:fld id="{3881C039-66A3-4640-815B-3B5A8B7D868D}" type="datetimeFigureOut">
               <a:rPr lang="en-US" smtClean="0"/>
-              <a:t>10/13/2021</a:t>
+              <a:t>3/26/2023</a:t>
             </a:fld>
             <a:endParaRPr lang="en-US"/>
           </a:p>
@@ -4929,7 +4929,7 @@
           <a:p>
             <a:fld id="{3881C039-66A3-4640-815B-3B5A8B7D868D}" type="datetimeFigureOut">
               <a:rPr lang="en-US" smtClean="0"/>
-              <a:t>10/13/2021</a:t>
+              <a:t>3/26/2023</a:t>
             </a:fld>
             <a:endParaRPr lang="en-US"/>
           </a:p>
@@ -5184,7 +5184,7 @@
           <a:p>
             <a:fld id="{3881C039-66A3-4640-815B-3B5A8B7D868D}" type="datetimeFigureOut">
               <a:rPr lang="en-US" smtClean="0"/>
-              <a:t>10/13/2021</a:t>
+              <a:t>3/26/2023</a:t>
             </a:fld>
             <a:endParaRPr lang="en-US"/>
           </a:p>
@@ -5484,7 +5484,7 @@
           <a:p>
             <a:fld id="{3881C039-66A3-4640-815B-3B5A8B7D868D}" type="datetimeFigureOut">
               <a:rPr lang="en-US" smtClean="0"/>
-              <a:t>10/13/2021</a:t>
+              <a:t>3/26/2023</a:t>
             </a:fld>
             <a:endParaRPr lang="en-US"/>
           </a:p>
@@ -5718,7 +5718,7 @@
           <a:p>
             <a:fld id="{3881C039-66A3-4640-815B-3B5A8B7D868D}" type="datetimeFigureOut">
               <a:rPr lang="en-US" smtClean="0"/>
-              <a:t>10/13/2021</a:t>
+              <a:t>3/26/2023</a:t>
             </a:fld>
             <a:endParaRPr lang="en-US"/>
           </a:p>
@@ -11130,7 +11130,7 @@
                 <a:effectLst/>
                 <a:latin typeface="Selawik Semibold" panose="020B0702040204020203" pitchFamily="34" charset="0"/>
               </a:rPr>
-              <a:t>Covers 2003 – 2006 Seasons</a:t>
+              <a:t>Covers 2014 – 2017 Seasons</a:t>
             </a:r>
           </a:p>
           <a:p>
@@ -11159,7 +11159,7 @@
                 <a:effectLst/>
                 <a:latin typeface="Selawik Semibold" panose="020B0702040204020203" pitchFamily="34" charset="0"/>
               </a:rPr>
-              <a:t>All Predictors are Significant Except the Intercept</a:t>
+              <a:t>All Predictors are Significant Except Penalty Difference</a:t>
             </a:r>
           </a:p>
           <a:p>
@@ -11188,7 +11188,7 @@
                 <a:effectLst/>
                 <a:latin typeface="Selawik Semibold" panose="020B0702040204020203" pitchFamily="34" charset="0"/>
               </a:rPr>
-              <a:t>RSQ of 0.87</a:t>
+              <a:t>RSQ of 0.79</a:t>
             </a:r>
           </a:p>
           <a:p>
@@ -11217,7 +11217,7 @@
                 <a:effectLst/>
                 <a:latin typeface="Selawik Semibold" panose="020B0702040204020203" pitchFamily="34" charset="0"/>
               </a:rPr>
-              <a:t>Standard Error of 35</a:t>
+              <a:t>Standard Error of 44</a:t>
             </a:r>
           </a:p>
           <a:p>
@@ -11274,7 +11274,7 @@
                 <a:effectLst/>
                 <a:latin typeface="Selawik Semibold" panose="020B0702040204020203" pitchFamily="34" charset="0"/>
               </a:rPr>
-              <a:t>   Would Be Within 70 Points</a:t>
+              <a:t>   Would Be Within 88 Points</a:t>
             </a:r>
           </a:p>
           <a:p>
@@ -11415,7 +11415,7 @@
                 <a:effectLst/>
                 <a:latin typeface="Selawik Semibold" panose="020B0702040204020203" pitchFamily="34" charset="0"/>
               </a:rPr>
-              <a:t>Extra Passing YDS/ATT Worth 61.67 PTS (+3.85 PTS/G)</a:t>
+              <a:t>Extra Passing YDS/ATT Worth 69.04 PTS (+4.3 PTS/G)</a:t>
             </a:r>
           </a:p>
           <a:p>
@@ -11444,7 +11444,7 @@
                 <a:effectLst/>
                 <a:latin typeface="Selawik Semibold" panose="020B0702040204020203" pitchFamily="34" charset="0"/>
               </a:rPr>
-              <a:t>Extra Rushing YDS/ATT Worth 26.44 PTS (+1.65 PTS/G)</a:t>
+              <a:t>Extra Rushing YDS/ATT Worth 23.24PTS (+1.45 PTS/G)</a:t>
             </a:r>
           </a:p>
           <a:p>
@@ -12707,10 +12707,10 @@
       </p:pic>
       <p:pic>
         <p:nvPicPr>
-          <p:cNvPr id="2" name="Picture 1">
+          <p:cNvPr id="6" name="Picture 5">
             <a:extLst>
               <a:ext uri="{FF2B5EF4-FFF2-40B4-BE49-F238E27FC236}">
-                <a16:creationId xmlns:a16="http://schemas.microsoft.com/office/drawing/2014/main" id="{31B3E2F6-DB87-4F05-9BEC-7C855C42BF97}"/>
+                <a16:creationId xmlns:a16="http://schemas.microsoft.com/office/drawing/2014/main" id="{59FCDC1F-FAA3-6E9A-20A9-D830103F7D35}"/>
               </a:ext>
             </a:extLst>
           </p:cNvPr>
@@ -12727,8 +12727,8 @@
         </p:blipFill>
         <p:spPr>
           <a:xfrm>
-            <a:off x="2703273" y="2036011"/>
-            <a:ext cx="8188505" cy="4132999"/>
+            <a:off x="566142" y="2324506"/>
+            <a:ext cx="11346396" cy="2596315"/>
           </a:xfrm>
           <a:prstGeom prst="rect">
             <a:avLst/>
@@ -12754,8 +12754,8 @@
         </p:nvSpPr>
         <p:spPr>
           <a:xfrm>
-            <a:off x="6528121" y="3557695"/>
-            <a:ext cx="833378" cy="433539"/>
+            <a:off x="4214917" y="3450817"/>
+            <a:ext cx="1421954" cy="461426"/>
           </a:xfrm>
           <a:prstGeom prst="ellipse">
             <a:avLst/>
@@ -13078,7 +13078,7 @@
                 <a:effectLst/>
                 <a:latin typeface="Selawik Semibold" panose="020B0702040204020203" pitchFamily="34" charset="0"/>
               </a:rPr>
-              <a:t>Regression Based ONLY on Passing Info (RSQ = 0.7)</a:t>
+              <a:t>Regression Based ONLY on Passing Info (RSQ = 0.63)</a:t>
             </a:r>
           </a:p>
           <a:p>
@@ -13107,7 +13107,7 @@
                 <a:effectLst/>
                 <a:latin typeface="Selawik Semibold" panose="020B0702040204020203" pitchFamily="34" charset="0"/>
               </a:rPr>
-              <a:t>Regression Based ONLY on Rushing Info (RSQ = 0.06)</a:t>
+              <a:t>Regression Based ONLY on Rushing Info (RSQ = 0.17)</a:t>
             </a:r>
           </a:p>
           <a:p>
@@ -13191,7 +13191,7 @@
                 <a:effectLst/>
                 <a:latin typeface="Selawik Semibold" panose="020B0702040204020203" pitchFamily="34" charset="0"/>
               </a:rPr>
-              <a:t>Offensive TOs Costs 3.4 Points</a:t>
+              <a:t>Offensive TOs Costs 4.99 Points</a:t>
             </a:r>
           </a:p>
           <a:p>
@@ -13220,7 +13220,7 @@
                 <a:effectLst/>
                 <a:latin typeface="Selawik Semibold" panose="020B0702040204020203" pitchFamily="34" charset="0"/>
               </a:rPr>
-              <a:t>Defensive TOs Worth 3.7 Points</a:t>
+              <a:t>Defensive TOs Worth 2.01 Points</a:t>
             </a:r>
           </a:p>
           <a:p>
@@ -13249,7 +13249,7 @@
                 <a:effectLst/>
                 <a:latin typeface="Selawik Semibold" panose="020B0702040204020203" pitchFamily="34" charset="0"/>
               </a:rPr>
-              <a:t>Overall, TO Worth Approximately 3.55 Points</a:t>
+              <a:t>Overall, TO Worth Approximately 3.5 Points</a:t>
             </a:r>
           </a:p>
           <a:p>
@@ -13947,7 +13947,7 @@
                 <a:effectLst/>
                 <a:latin typeface="Selawik Semibold" panose="020B0702040204020203" pitchFamily="34" charset="0"/>
               </a:rPr>
-              <a:t>Correlation of 0.10 Between Passing YDS/ATT and  </a:t>
+              <a:t>Correlation of 0.12 Between Passing YDS/ATT and  </a:t>
             </a:r>
           </a:p>
           <a:p>

--- a/Slides/Football 1/Footballl_1_Lecture.pptx
+++ b/Slides/Football 1/Footballl_1_Lecture.pptx
@@ -5,7 +5,7 @@
     <p:sldMasterId id="2147483900" r:id="rId1"/>
   </p:sldMasterIdLst>
   <p:notesMasterIdLst>
-    <p:notesMasterId r:id="rId12"/>
+    <p:notesMasterId r:id="rId13"/>
   </p:notesMasterIdLst>
   <p:sldIdLst>
     <p:sldId id="298" r:id="rId2"/>
@@ -14,10 +14,11 @@
     <p:sldId id="308" r:id="rId5"/>
     <p:sldId id="310" r:id="rId6"/>
     <p:sldId id="311" r:id="rId7"/>
-    <p:sldId id="313" r:id="rId8"/>
+    <p:sldId id="315" r:id="rId8"/>
     <p:sldId id="312" r:id="rId9"/>
     <p:sldId id="314" r:id="rId10"/>
-    <p:sldId id="281" r:id="rId11"/>
+    <p:sldId id="313" r:id="rId11"/>
+    <p:sldId id="281" r:id="rId12"/>
   </p:sldIdLst>
   <p:sldSz cx="12192000" cy="6858000"/>
   <p:notesSz cx="6858000" cy="9144000"/>
@@ -218,7 +219,7 @@
           <a:p>
             <a:fld id="{C04E5E84-956F-4423-97B3-5936A6D8EEEE}" type="datetimeFigureOut">
               <a:rPr lang="en-US" smtClean="0"/>
-              <a:t>3/26/2023</a:t>
+              <a:t>3/29/2023</a:t>
             </a:fld>
             <a:endParaRPr lang="en-US"/>
           </a:p>
@@ -670,7 +671,7 @@
           <a:p>
             <a:fld id="{3881C039-66A3-4640-815B-3B5A8B7D868D}" type="datetimeFigureOut">
               <a:rPr lang="en-US" smtClean="0"/>
-              <a:t>3/26/2023</a:t>
+              <a:t>3/29/2023</a:t>
             </a:fld>
             <a:endParaRPr lang="en-US"/>
           </a:p>
@@ -968,7 +969,7 @@
           <a:p>
             <a:fld id="{3881C039-66A3-4640-815B-3B5A8B7D868D}" type="datetimeFigureOut">
               <a:rPr lang="en-US" smtClean="0"/>
-              <a:t>3/26/2023</a:t>
+              <a:t>3/29/2023</a:t>
             </a:fld>
             <a:endParaRPr lang="en-US"/>
           </a:p>
@@ -1160,7 +1161,7 @@
           <a:p>
             <a:fld id="{3881C039-66A3-4640-815B-3B5A8B7D868D}" type="datetimeFigureOut">
               <a:rPr lang="en-US" smtClean="0"/>
-              <a:t>3/26/2023</a:t>
+              <a:t>3/29/2023</a:t>
             </a:fld>
             <a:endParaRPr lang="en-US"/>
           </a:p>
@@ -1421,7 +1422,7 @@
           <a:p>
             <a:fld id="{3881C039-66A3-4640-815B-3B5A8B7D868D}" type="datetimeFigureOut">
               <a:rPr lang="en-US" smtClean="0"/>
-              <a:t>3/26/2023</a:t>
+              <a:t>3/29/2023</a:t>
             </a:fld>
             <a:endParaRPr lang="en-US"/>
           </a:p>
@@ -1845,7 +1846,7 @@
           <a:p>
             <a:fld id="{3881C039-66A3-4640-815B-3B5A8B7D868D}" type="datetimeFigureOut">
               <a:rPr lang="en-US" smtClean="0"/>
-              <a:t>3/26/2023</a:t>
+              <a:t>3/29/2023</a:t>
             </a:fld>
             <a:endParaRPr lang="en-US"/>
           </a:p>
@@ -2382,7 +2383,7 @@
           <a:p>
             <a:fld id="{3881C039-66A3-4640-815B-3B5A8B7D868D}" type="datetimeFigureOut">
               <a:rPr lang="en-US" smtClean="0"/>
-              <a:t>3/26/2023</a:t>
+              <a:t>3/29/2023</a:t>
             </a:fld>
             <a:endParaRPr lang="en-US"/>
           </a:p>
@@ -3246,7 +3247,7 @@
           <a:p>
             <a:fld id="{3881C039-66A3-4640-815B-3B5A8B7D868D}" type="datetimeFigureOut">
               <a:rPr lang="en-US" smtClean="0"/>
-              <a:t>3/26/2023</a:t>
+              <a:t>3/29/2023</a:t>
             </a:fld>
             <a:endParaRPr lang="en-US"/>
           </a:p>
@@ -3416,7 +3417,7 @@
           <a:p>
             <a:fld id="{3881C039-66A3-4640-815B-3B5A8B7D868D}" type="datetimeFigureOut">
               <a:rPr lang="en-US" smtClean="0"/>
-              <a:t>3/26/2023</a:t>
+              <a:t>3/29/2023</a:t>
             </a:fld>
             <a:endParaRPr lang="en-US"/>
           </a:p>
@@ -3600,7 +3601,7 @@
           <a:p>
             <a:fld id="{3881C039-66A3-4640-815B-3B5A8B7D868D}" type="datetimeFigureOut">
               <a:rPr lang="en-US" smtClean="0"/>
-              <a:t>3/26/2023</a:t>
+              <a:t>3/29/2023</a:t>
             </a:fld>
             <a:endParaRPr lang="en-US"/>
           </a:p>
@@ -3770,7 +3771,7 @@
           <a:p>
             <a:fld id="{3881C039-66A3-4640-815B-3B5A8B7D868D}" type="datetimeFigureOut">
               <a:rPr lang="en-US" smtClean="0"/>
-              <a:t>3/26/2023</a:t>
+              <a:t>3/29/2023</a:t>
             </a:fld>
             <a:endParaRPr lang="en-US"/>
           </a:p>
@@ -4014,7 +4015,7 @@
           <a:p>
             <a:fld id="{3881C039-66A3-4640-815B-3B5A8B7D868D}" type="datetimeFigureOut">
               <a:rPr lang="en-US" smtClean="0"/>
-              <a:t>3/26/2023</a:t>
+              <a:t>3/29/2023</a:t>
             </a:fld>
             <a:endParaRPr lang="en-US"/>
           </a:p>
@@ -4250,7 +4251,7 @@
           <a:p>
             <a:fld id="{3881C039-66A3-4640-815B-3B5A8B7D868D}" type="datetimeFigureOut">
               <a:rPr lang="en-US" smtClean="0"/>
-              <a:t>3/26/2023</a:t>
+              <a:t>3/29/2023</a:t>
             </a:fld>
             <a:endParaRPr lang="en-US"/>
           </a:p>
@@ -4716,7 +4717,7 @@
           <a:p>
             <a:fld id="{3881C039-66A3-4640-815B-3B5A8B7D868D}" type="datetimeFigureOut">
               <a:rPr lang="en-US" smtClean="0"/>
-              <a:t>3/26/2023</a:t>
+              <a:t>3/29/2023</a:t>
             </a:fld>
             <a:endParaRPr lang="en-US"/>
           </a:p>
@@ -4834,7 +4835,7 @@
           <a:p>
             <a:fld id="{3881C039-66A3-4640-815B-3B5A8B7D868D}" type="datetimeFigureOut">
               <a:rPr lang="en-US" smtClean="0"/>
-              <a:t>3/26/2023</a:t>
+              <a:t>3/29/2023</a:t>
             </a:fld>
             <a:endParaRPr lang="en-US"/>
           </a:p>
@@ -4929,7 +4930,7 @@
           <a:p>
             <a:fld id="{3881C039-66A3-4640-815B-3B5A8B7D868D}" type="datetimeFigureOut">
               <a:rPr lang="en-US" smtClean="0"/>
-              <a:t>3/26/2023</a:t>
+              <a:t>3/29/2023</a:t>
             </a:fld>
             <a:endParaRPr lang="en-US"/>
           </a:p>
@@ -5184,7 +5185,7 @@
           <a:p>
             <a:fld id="{3881C039-66A3-4640-815B-3B5A8B7D868D}" type="datetimeFigureOut">
               <a:rPr lang="en-US" smtClean="0"/>
-              <a:t>3/26/2023</a:t>
+              <a:t>3/29/2023</a:t>
             </a:fld>
             <a:endParaRPr lang="en-US"/>
           </a:p>
@@ -5484,7 +5485,7 @@
           <a:p>
             <a:fld id="{3881C039-66A3-4640-815B-3B5A8B7D868D}" type="datetimeFigureOut">
               <a:rPr lang="en-US" smtClean="0"/>
-              <a:t>3/26/2023</a:t>
+              <a:t>3/29/2023</a:t>
             </a:fld>
             <a:endParaRPr lang="en-US"/>
           </a:p>
@@ -5718,7 +5719,7 @@
           <a:p>
             <a:fld id="{3881C039-66A3-4640-815B-3B5A8B7D868D}" type="datetimeFigureOut">
               <a:rPr lang="en-US" smtClean="0"/>
-              <a:t>3/26/2023</a:t>
+              <a:t>3/29/2023</a:t>
             </a:fld>
             <a:endParaRPr lang="en-US"/>
           </a:p>
@@ -6626,6 +6627,664 @@
   <p:cSld>
     <p:bg>
       <p:bgPr>
+        <a:blipFill rotWithShape="1">
+          <a:blip r:embed="rId2">
+            <a:duotone>
+              <a:schemeClr val="bg2">
+                <a:shade val="80000"/>
+                <a:lumMod val="80000"/>
+              </a:schemeClr>
+              <a:schemeClr val="bg2">
+                <a:tint val="98000"/>
+              </a:schemeClr>
+            </a:duotone>
+          </a:blip>
+          <a:stretch/>
+        </a:blipFill>
+        <a:effectLst/>
+      </p:bgPr>
+    </p:bg>
+    <p:spTree>
+      <p:nvGrpSpPr>
+        <p:cNvPr id="1" name=""/>
+        <p:cNvGrpSpPr/>
+        <p:nvPr/>
+      </p:nvGrpSpPr>
+      <p:grpSpPr>
+        <a:xfrm>
+          <a:off x="0" y="0"/>
+          <a:ext cx="0" cy="0"/>
+          <a:chOff x="0" y="0"/>
+          <a:chExt cx="0" cy="0"/>
+        </a:xfrm>
+      </p:grpSpPr>
+      <p:pic>
+        <p:nvPicPr>
+          <p:cNvPr id="21" name="Picture 20" descr="A picture containing clothing, person, headdress, baseball&#10;&#10;Description automatically generated">
+            <a:extLst>
+              <a:ext uri="{FF2B5EF4-FFF2-40B4-BE49-F238E27FC236}">
+                <a16:creationId xmlns:a16="http://schemas.microsoft.com/office/drawing/2014/main" id="{68BA132B-EA3B-4DFB-BEF2-04F4ACB3B027}"/>
+              </a:ext>
+            </a:extLst>
+          </p:cNvPr>
+          <p:cNvPicPr>
+            <a:picLocks noChangeAspect="1"/>
+          </p:cNvPicPr>
+          <p:nvPr/>
+        </p:nvPicPr>
+        <p:blipFill rotWithShape="1">
+          <a:blip r:embed="rId3">
+            <a:extLst>
+              <a:ext uri="{BEBA8EAE-BF5A-486C-A8C5-ECC9F3942E4B}">
+                <a14:imgProps xmlns:a14="http://schemas.microsoft.com/office/drawing/2010/main">
+                  <a14:imgLayer r:embed="rId4">
+                    <a14:imgEffect>
+                      <a14:colorTemperature colorTemp="11151"/>
+                    </a14:imgEffect>
+                    <a14:imgEffect>
+                      <a14:saturation sat="0"/>
+                    </a14:imgEffect>
+                  </a14:imgLayer>
+                </a14:imgProps>
+              </a:ext>
+              <a:ext uri="{28A0092B-C50C-407E-A947-70E740481C1C}">
+                <a14:useLocalDpi xmlns:a14="http://schemas.microsoft.com/office/drawing/2010/main" val="0"/>
+              </a:ext>
+            </a:extLst>
+          </a:blip>
+          <a:srcRect r="3" b="7624"/>
+          <a:stretch/>
+        </p:blipFill>
+        <p:spPr>
+          <a:xfrm>
+            <a:off x="-1051136" y="3119615"/>
+            <a:ext cx="4065464" cy="3258005"/>
+          </a:xfrm>
+          <a:prstGeom prst="rect">
+            <a:avLst/>
+          </a:prstGeom>
+        </p:spPr>
+      </p:pic>
+      <p:sp>
+        <p:nvSpPr>
+          <p:cNvPr id="41" name="Rectangle 40">
+            <a:extLst>
+              <a:ext uri="{FF2B5EF4-FFF2-40B4-BE49-F238E27FC236}">
+                <a16:creationId xmlns:a16="http://schemas.microsoft.com/office/drawing/2014/main" id="{7BDB8227-827C-484D-95AA-05C24716BEB4}"/>
+              </a:ext>
+            </a:extLst>
+          </p:cNvPr>
+          <p:cNvSpPr/>
+          <p:nvPr/>
+        </p:nvSpPr>
+        <p:spPr>
+          <a:xfrm>
+            <a:off x="1911020" y="528506"/>
+            <a:ext cx="6928179" cy="813912"/>
+          </a:xfrm>
+          <a:prstGeom prst="rect">
+            <a:avLst/>
+          </a:prstGeom>
+          <a:solidFill>
+            <a:srgbClr val="D34817"/>
+          </a:solidFill>
+        </p:spPr>
+        <p:style>
+          <a:lnRef idx="2">
+            <a:schemeClr val="accent1">
+              <a:shade val="50000"/>
+            </a:schemeClr>
+          </a:lnRef>
+          <a:fillRef idx="1">
+            <a:schemeClr val="accent1"/>
+          </a:fillRef>
+          <a:effectRef idx="0">
+            <a:schemeClr val="accent1"/>
+          </a:effectRef>
+          <a:fontRef idx="minor">
+            <a:schemeClr val="lt1"/>
+          </a:fontRef>
+        </p:style>
+        <p:txBody>
+          <a:bodyPr rtlCol="0" anchor="ctr"/>
+          <a:lstStyle/>
+          <a:p>
+            <a:pPr algn="ctr"/>
+            <a:endParaRPr lang="en-US">
+              <a:solidFill>
+                <a:srgbClr val="A6A1A1"/>
+              </a:solidFill>
+            </a:endParaRPr>
+          </a:p>
+        </p:txBody>
+      </p:sp>
+      <p:sp>
+        <p:nvSpPr>
+          <p:cNvPr id="4" name="Title 3">
+            <a:extLst>
+              <a:ext uri="{FF2B5EF4-FFF2-40B4-BE49-F238E27FC236}">
+                <a16:creationId xmlns:a16="http://schemas.microsoft.com/office/drawing/2014/main" id="{4A6C2FBC-B0EB-45C1-9469-C4F6741ECB31}"/>
+              </a:ext>
+            </a:extLst>
+          </p:cNvPr>
+          <p:cNvSpPr>
+            <a:spLocks noGrp="1"/>
+          </p:cNvSpPr>
+          <p:nvPr>
+            <p:ph type="title"/>
+          </p:nvPr>
+        </p:nvSpPr>
+        <p:spPr>
+          <a:xfrm>
+            <a:off x="1911020" y="428653"/>
+            <a:ext cx="6928179" cy="970450"/>
+          </a:xfrm>
+          <a:effectLst>
+            <a:outerShdw blurRad="25400" dir="17880000">
+              <a:srgbClr val="000000">
+                <a:alpha val="70000"/>
+              </a:srgbClr>
+            </a:outerShdw>
+          </a:effectLst>
+        </p:spPr>
+        <p:txBody>
+          <a:bodyPr>
+            <a:normAutofit/>
+          </a:bodyPr>
+          <a:lstStyle/>
+          <a:p>
+            <a:pPr algn="l"/>
+            <a:r>
+              <a:rPr lang="en-US" sz="3600" dirty="0">
+                <a:ln>
+                  <a:noFill/>
+                </a:ln>
+                <a:solidFill>
+                  <a:schemeClr val="bg2">
+                    <a:lumMod val="10000"/>
+                    <a:lumOff val="90000"/>
+                  </a:schemeClr>
+                </a:solidFill>
+                <a:effectLst/>
+                <a:latin typeface="Selawik Semibold" panose="020B0702040204020203" pitchFamily="34" charset="0"/>
+              </a:rPr>
+              <a:t>What Makes Teams Win</a:t>
+            </a:r>
+          </a:p>
+        </p:txBody>
+      </p:sp>
+      <p:sp>
+        <p:nvSpPr>
+          <p:cNvPr id="24" name="Content Placeholder 2">
+            <a:extLst>
+              <a:ext uri="{FF2B5EF4-FFF2-40B4-BE49-F238E27FC236}">
+                <a16:creationId xmlns:a16="http://schemas.microsoft.com/office/drawing/2014/main" id="{52313B83-B214-43D7-AC39-182CE4FA3E53}"/>
+              </a:ext>
+            </a:extLst>
+          </p:cNvPr>
+          <p:cNvSpPr>
+            <a:spLocks noGrp="1"/>
+          </p:cNvSpPr>
+          <p:nvPr>
+            <p:ph idx="1"/>
+          </p:nvPr>
+        </p:nvSpPr>
+        <p:spPr>
+          <a:xfrm>
+            <a:off x="2283155" y="1490925"/>
+            <a:ext cx="7729850" cy="4838569"/>
+          </a:xfrm>
+        </p:spPr>
+        <p:txBody>
+          <a:bodyPr numCol="1" anchor="t">
+            <a:noAutofit/>
+          </a:bodyPr>
+          <a:lstStyle/>
+          <a:p>
+            <a:pPr marL="0" indent="0">
+              <a:spcBef>
+                <a:spcPts val="0"/>
+              </a:spcBef>
+              <a:spcAft>
+                <a:spcPts val="0"/>
+              </a:spcAft>
+              <a:buClr>
+                <a:srgbClr val="D34817"/>
+              </a:buClr>
+              <a:buSzPct val="100000"/>
+              <a:buFont typeface="Wingdings" panose="05000000000000000000" pitchFamily="2" charset="2"/>
+              <a:buChar char="v"/>
+            </a:pPr>
+            <a:r>
+              <a:rPr lang="en-US" sz="2400" dirty="0">
+                <a:solidFill>
+                  <a:schemeClr val="bg2">
+                    <a:lumMod val="10000"/>
+                    <a:lumOff val="90000"/>
+                  </a:schemeClr>
+                </a:solidFill>
+                <a:effectLst/>
+                <a:latin typeface="Selawik Semibold" panose="020B0702040204020203" pitchFamily="34" charset="0"/>
+              </a:rPr>
+              <a:t>Correlation Matrix of Predictors</a:t>
+            </a:r>
+            <a:endParaRPr lang="en-US" sz="2000" dirty="0">
+              <a:solidFill>
+                <a:schemeClr val="bg2">
+                  <a:lumMod val="10000"/>
+                  <a:lumOff val="90000"/>
+                </a:schemeClr>
+              </a:solidFill>
+              <a:effectLst/>
+              <a:latin typeface="Selawik Semibold" panose="020B0702040204020203" pitchFamily="34" charset="0"/>
+            </a:endParaRPr>
+          </a:p>
+          <a:p>
+            <a:pPr marL="377100" lvl="1" indent="0">
+              <a:spcBef>
+                <a:spcPts val="0"/>
+              </a:spcBef>
+              <a:spcAft>
+                <a:spcPts val="0"/>
+              </a:spcAft>
+              <a:buClr>
+                <a:srgbClr val="D34817"/>
+              </a:buClr>
+              <a:buSzPct val="100000"/>
+              <a:buNone/>
+            </a:pPr>
+            <a:endParaRPr lang="en-US" sz="2200" dirty="0">
+              <a:solidFill>
+                <a:schemeClr val="bg2">
+                  <a:lumMod val="10000"/>
+                  <a:lumOff val="90000"/>
+                </a:schemeClr>
+              </a:solidFill>
+              <a:effectLst/>
+              <a:latin typeface="Selawik Semibold" panose="020B0702040204020203" pitchFamily="34" charset="0"/>
+            </a:endParaRPr>
+          </a:p>
+          <a:p>
+            <a:pPr marL="377100" lvl="1" indent="0">
+              <a:spcBef>
+                <a:spcPts val="0"/>
+              </a:spcBef>
+              <a:spcAft>
+                <a:spcPts val="0"/>
+              </a:spcAft>
+              <a:buClr>
+                <a:srgbClr val="D34817"/>
+              </a:buClr>
+              <a:buSzPct val="100000"/>
+              <a:buFont typeface="Wingdings" panose="05000000000000000000" pitchFamily="2" charset="2"/>
+              <a:buChar char="v"/>
+            </a:pPr>
+            <a:endParaRPr lang="en-US" sz="2200" dirty="0">
+              <a:solidFill>
+                <a:schemeClr val="bg2">
+                  <a:lumMod val="10000"/>
+                  <a:lumOff val="90000"/>
+                </a:schemeClr>
+              </a:solidFill>
+              <a:effectLst/>
+              <a:latin typeface="Selawik Semibold" panose="020B0702040204020203" pitchFamily="34" charset="0"/>
+            </a:endParaRPr>
+          </a:p>
+          <a:p>
+            <a:pPr marL="377100" lvl="1" indent="0">
+              <a:spcBef>
+                <a:spcPts val="0"/>
+              </a:spcBef>
+              <a:spcAft>
+                <a:spcPts val="0"/>
+              </a:spcAft>
+              <a:buClr>
+                <a:srgbClr val="D34817"/>
+              </a:buClr>
+              <a:buSzPct val="100000"/>
+              <a:buFont typeface="Wingdings" panose="05000000000000000000" pitchFamily="2" charset="2"/>
+              <a:buChar char="v"/>
+            </a:pPr>
+            <a:endParaRPr lang="en-US" sz="2000" dirty="0">
+              <a:effectLst/>
+              <a:latin typeface="Selawik Semibold" panose="020B0702040204020203" pitchFamily="34" charset="0"/>
+            </a:endParaRPr>
+          </a:p>
+        </p:txBody>
+      </p:sp>
+      <p:pic>
+        <p:nvPicPr>
+          <p:cNvPr id="40" name="Graphic 39" descr="Football">
+            <a:extLst>
+              <a:ext uri="{FF2B5EF4-FFF2-40B4-BE49-F238E27FC236}">
+                <a16:creationId xmlns:a16="http://schemas.microsoft.com/office/drawing/2014/main" id="{43103FBA-298C-4A8C-8E68-C9DFEB1CFAF5}"/>
+              </a:ext>
+            </a:extLst>
+          </p:cNvPr>
+          <p:cNvPicPr>
+            <a:picLocks noChangeAspect="1"/>
+          </p:cNvPicPr>
+          <p:nvPr/>
+        </p:nvPicPr>
+        <p:blipFill>
+          <a:blip r:embed="rId5">
+            <a:extLst>
+              <a:ext uri="{28A0092B-C50C-407E-A947-70E740481C1C}">
+                <a14:useLocalDpi xmlns:a14="http://schemas.microsoft.com/office/drawing/2010/main" val="0"/>
+              </a:ext>
+              <a:ext uri="{96DAC541-7B7A-43D3-8B79-37D633B846F1}">
+                <asvg:svgBlip xmlns:asvg="http://schemas.microsoft.com/office/drawing/2016/SVG/main" r:embed="rId6"/>
+              </a:ext>
+            </a:extLst>
+          </a:blip>
+          <a:stretch>
+            <a:fillRect/>
+          </a:stretch>
+        </p:blipFill>
+        <p:spPr>
+          <a:xfrm>
+            <a:off x="8917272" y="232079"/>
+            <a:ext cx="1406766" cy="1406766"/>
+          </a:xfrm>
+          <a:prstGeom prst="rect">
+            <a:avLst/>
+          </a:prstGeom>
+        </p:spPr>
+      </p:pic>
+      <p:sp>
+        <p:nvSpPr>
+          <p:cNvPr id="17" name="Rectangle 16">
+            <a:extLst>
+              <a:ext uri="{FF2B5EF4-FFF2-40B4-BE49-F238E27FC236}">
+                <a16:creationId xmlns:a16="http://schemas.microsoft.com/office/drawing/2014/main" id="{5020441A-C920-4B5D-B423-02BDA4A265D5}"/>
+              </a:ext>
+            </a:extLst>
+          </p:cNvPr>
+          <p:cNvSpPr/>
+          <p:nvPr/>
+        </p:nvSpPr>
+        <p:spPr>
+          <a:xfrm>
+            <a:off x="0" y="6363870"/>
+            <a:ext cx="12192000" cy="280807"/>
+          </a:xfrm>
+          <a:prstGeom prst="rect">
+            <a:avLst/>
+          </a:prstGeom>
+          <a:solidFill>
+            <a:srgbClr val="D34817"/>
+          </a:solidFill>
+          <a:ln>
+            <a:noFill/>
+          </a:ln>
+        </p:spPr>
+        <p:style>
+          <a:lnRef idx="2">
+            <a:schemeClr val="accent1">
+              <a:shade val="50000"/>
+            </a:schemeClr>
+          </a:lnRef>
+          <a:fillRef idx="1">
+            <a:schemeClr val="accent1"/>
+          </a:fillRef>
+          <a:effectRef idx="0">
+            <a:schemeClr val="accent1"/>
+          </a:effectRef>
+          <a:fontRef idx="minor">
+            <a:schemeClr val="lt1"/>
+          </a:fontRef>
+        </p:style>
+        <p:txBody>
+          <a:bodyPr rtlCol="0" anchor="ctr"/>
+          <a:lstStyle/>
+          <a:p>
+            <a:pPr algn="ctr"/>
+            <a:endParaRPr lang="en-US"/>
+          </a:p>
+        </p:txBody>
+      </p:sp>
+      <p:sp>
+        <p:nvSpPr>
+          <p:cNvPr id="43" name="Rectangle 42">
+            <a:extLst>
+              <a:ext uri="{FF2B5EF4-FFF2-40B4-BE49-F238E27FC236}">
+                <a16:creationId xmlns:a16="http://schemas.microsoft.com/office/drawing/2014/main" id="{50A0A4F6-DDDF-466F-B88A-4EAD2319B32D}"/>
+              </a:ext>
+            </a:extLst>
+          </p:cNvPr>
+          <p:cNvSpPr/>
+          <p:nvPr/>
+        </p:nvSpPr>
+        <p:spPr>
+          <a:xfrm>
+            <a:off x="10402110" y="528506"/>
+            <a:ext cx="1789889" cy="813912"/>
+          </a:xfrm>
+          <a:prstGeom prst="rect">
+            <a:avLst/>
+          </a:prstGeom>
+          <a:solidFill>
+            <a:srgbClr val="D34817"/>
+          </a:solidFill>
+        </p:spPr>
+        <p:style>
+          <a:lnRef idx="2">
+            <a:schemeClr val="accent1">
+              <a:shade val="50000"/>
+            </a:schemeClr>
+          </a:lnRef>
+          <a:fillRef idx="1">
+            <a:schemeClr val="accent1"/>
+          </a:fillRef>
+          <a:effectRef idx="0">
+            <a:schemeClr val="accent1"/>
+          </a:effectRef>
+          <a:fontRef idx="minor">
+            <a:schemeClr val="lt1"/>
+          </a:fontRef>
+        </p:style>
+        <p:txBody>
+          <a:bodyPr rtlCol="0" anchor="ctr"/>
+          <a:lstStyle/>
+          <a:p>
+            <a:pPr algn="ctr"/>
+            <a:endParaRPr lang="en-US"/>
+          </a:p>
+        </p:txBody>
+      </p:sp>
+      <p:sp>
+        <p:nvSpPr>
+          <p:cNvPr id="46" name="Rectangle 45">
+            <a:extLst>
+              <a:ext uri="{FF2B5EF4-FFF2-40B4-BE49-F238E27FC236}">
+                <a16:creationId xmlns:a16="http://schemas.microsoft.com/office/drawing/2014/main" id="{4E8668F5-2350-4974-AA4D-876D0CD42EDD}"/>
+              </a:ext>
+            </a:extLst>
+          </p:cNvPr>
+          <p:cNvSpPr/>
+          <p:nvPr/>
+        </p:nvSpPr>
+        <p:spPr>
+          <a:xfrm>
+            <a:off x="-112743" y="528506"/>
+            <a:ext cx="470541" cy="813912"/>
+          </a:xfrm>
+          <a:prstGeom prst="rect">
+            <a:avLst/>
+          </a:prstGeom>
+          <a:solidFill>
+            <a:srgbClr val="D34817"/>
+          </a:solidFill>
+        </p:spPr>
+        <p:style>
+          <a:lnRef idx="2">
+            <a:schemeClr val="accent1">
+              <a:shade val="50000"/>
+            </a:schemeClr>
+          </a:lnRef>
+          <a:fillRef idx="1">
+            <a:schemeClr val="accent1"/>
+          </a:fillRef>
+          <a:effectRef idx="0">
+            <a:schemeClr val="accent1"/>
+          </a:effectRef>
+          <a:fontRef idx="minor">
+            <a:schemeClr val="lt1"/>
+          </a:fontRef>
+        </p:style>
+        <p:txBody>
+          <a:bodyPr rtlCol="0" anchor="ctr"/>
+          <a:lstStyle/>
+          <a:p>
+            <a:pPr algn="ctr"/>
+            <a:endParaRPr lang="en-US"/>
+          </a:p>
+        </p:txBody>
+      </p:sp>
+      <p:pic>
+        <p:nvPicPr>
+          <p:cNvPr id="47" name="Graphic 46" descr="Football">
+            <a:extLst>
+              <a:ext uri="{FF2B5EF4-FFF2-40B4-BE49-F238E27FC236}">
+                <a16:creationId xmlns:a16="http://schemas.microsoft.com/office/drawing/2014/main" id="{BBBD34EB-97F5-4783-BE1A-4ADD4D05EBF0}"/>
+              </a:ext>
+            </a:extLst>
+          </p:cNvPr>
+          <p:cNvPicPr>
+            <a:picLocks noChangeAspect="1"/>
+          </p:cNvPicPr>
+          <p:nvPr/>
+        </p:nvPicPr>
+        <p:blipFill>
+          <a:blip r:embed="rId5">
+            <a:extLst>
+              <a:ext uri="{28A0092B-C50C-407E-A947-70E740481C1C}">
+                <a14:useLocalDpi xmlns:a14="http://schemas.microsoft.com/office/drawing/2010/main" val="0"/>
+              </a:ext>
+              <a:ext uri="{96DAC541-7B7A-43D3-8B79-37D633B846F1}">
+                <asvg:svgBlip xmlns:asvg="http://schemas.microsoft.com/office/drawing/2016/SVG/main" r:embed="rId6"/>
+              </a:ext>
+            </a:extLst>
+          </a:blip>
+          <a:stretch>
+            <a:fillRect/>
+          </a:stretch>
+        </p:blipFill>
+        <p:spPr>
+          <a:xfrm>
+            <a:off x="426182" y="210495"/>
+            <a:ext cx="1406766" cy="1406766"/>
+          </a:xfrm>
+          <a:prstGeom prst="rect">
+            <a:avLst/>
+          </a:prstGeom>
+        </p:spPr>
+      </p:pic>
+      <p:pic>
+        <p:nvPicPr>
+          <p:cNvPr id="6" name="Picture 5">
+            <a:extLst>
+              <a:ext uri="{FF2B5EF4-FFF2-40B4-BE49-F238E27FC236}">
+                <a16:creationId xmlns:a16="http://schemas.microsoft.com/office/drawing/2014/main" id="{59FCDC1F-FAA3-6E9A-20A9-D830103F7D35}"/>
+              </a:ext>
+            </a:extLst>
+          </p:cNvPr>
+          <p:cNvPicPr>
+            <a:picLocks noChangeAspect="1"/>
+          </p:cNvPicPr>
+          <p:nvPr/>
+        </p:nvPicPr>
+        <p:blipFill>
+          <a:blip r:embed="rId7"/>
+          <a:stretch>
+            <a:fillRect/>
+          </a:stretch>
+        </p:blipFill>
+        <p:spPr>
+          <a:xfrm>
+            <a:off x="566142" y="2324506"/>
+            <a:ext cx="11346396" cy="2596315"/>
+          </a:xfrm>
+          <a:prstGeom prst="rect">
+            <a:avLst/>
+          </a:prstGeom>
+          <a:ln w="38100">
+            <a:solidFill>
+              <a:srgbClr val="D34817"/>
+            </a:solidFill>
+          </a:ln>
+        </p:spPr>
+      </p:pic>
+      <p:sp>
+        <p:nvSpPr>
+          <p:cNvPr id="3" name="Oval 2">
+            <a:extLst>
+              <a:ext uri="{FF2B5EF4-FFF2-40B4-BE49-F238E27FC236}">
+                <a16:creationId xmlns:a16="http://schemas.microsoft.com/office/drawing/2014/main" id="{411EFEB5-9280-4891-A4BF-E89FEF9B37CB}"/>
+              </a:ext>
+            </a:extLst>
+          </p:cNvPr>
+          <p:cNvSpPr/>
+          <p:nvPr/>
+        </p:nvSpPr>
+        <p:spPr>
+          <a:xfrm>
+            <a:off x="4214917" y="3450817"/>
+            <a:ext cx="1421954" cy="461426"/>
+          </a:xfrm>
+          <a:prstGeom prst="ellipse">
+            <a:avLst/>
+          </a:prstGeom>
+          <a:noFill/>
+          <a:ln w="38100">
+            <a:solidFill>
+              <a:srgbClr val="D34817"/>
+            </a:solidFill>
+          </a:ln>
+        </p:spPr>
+        <p:style>
+          <a:lnRef idx="2">
+            <a:schemeClr val="accent1">
+              <a:shade val="50000"/>
+            </a:schemeClr>
+          </a:lnRef>
+          <a:fillRef idx="1">
+            <a:schemeClr val="accent1"/>
+          </a:fillRef>
+          <a:effectRef idx="0">
+            <a:schemeClr val="accent1"/>
+          </a:effectRef>
+          <a:fontRef idx="minor">
+            <a:schemeClr val="lt1"/>
+          </a:fontRef>
+        </p:style>
+        <p:txBody>
+          <a:bodyPr rtlCol="0" anchor="ctr"/>
+          <a:lstStyle/>
+          <a:p>
+            <a:pPr algn="ctr"/>
+            <a:endParaRPr lang="en-US"/>
+          </a:p>
+        </p:txBody>
+      </p:sp>
+    </p:spTree>
+    <p:extLst>
+      <p:ext uri="{BB962C8B-B14F-4D97-AF65-F5344CB8AC3E}">
+        <p14:creationId xmlns:p14="http://schemas.microsoft.com/office/powerpoint/2010/main" val="179609624"/>
+      </p:ext>
+    </p:extLst>
+  </p:cSld>
+  <p:clrMapOvr>
+    <a:masterClrMapping/>
+  </p:clrMapOvr>
+</p:sld>
+</file>
+
+<file path=ppt/slides/slide11.xml><?xml version="1.0" encoding="utf-8"?>
+<p:sld xmlns:a="http://schemas.openxmlformats.org/drawingml/2006/main" xmlns:r="http://schemas.openxmlformats.org/officeDocument/2006/relationships" xmlns:p="http://schemas.openxmlformats.org/presentationml/2006/main">
+  <p:cSld>
+    <p:bg>
+      <p:bgPr>
         <a:blipFill dpi="0" rotWithShape="1">
           <a:blip r:embed="rId2">
             <a:duotone>
@@ -12366,45 +13025,6 @@
           </a:bodyPr>
           <a:lstStyle/>
           <a:p>
-            <a:pPr marL="0" indent="0">
-              <a:spcBef>
-                <a:spcPts val="0"/>
-              </a:spcBef>
-              <a:spcAft>
-                <a:spcPts val="0"/>
-              </a:spcAft>
-              <a:buClr>
-                <a:srgbClr val="D34817"/>
-              </a:buClr>
-              <a:buSzPct val="100000"/>
-              <a:buFont typeface="Wingdings" panose="05000000000000000000" pitchFamily="2" charset="2"/>
-              <a:buChar char="v"/>
-            </a:pPr>
-            <a:r>
-              <a:rPr lang="en-US" sz="2400" dirty="0">
-                <a:solidFill>
-                  <a:schemeClr val="bg2">
-                    <a:lumMod val="10000"/>
-                    <a:lumOff val="90000"/>
-                  </a:schemeClr>
-                </a:solidFill>
-                <a:effectLst/>
-                <a:latin typeface="Selawik Semibold" panose="020B0702040204020203" pitchFamily="34" charset="0"/>
-              </a:rPr>
-              <a:t>Correlation Matrix of Predictors</a:t>
-            </a:r>
-            <a:endParaRPr lang="en-US" sz="2000" dirty="0">
-              <a:solidFill>
-                <a:schemeClr val="bg2">
-                  <a:lumMod val="10000"/>
-                  <a:lumOff val="90000"/>
-                </a:schemeClr>
-              </a:solidFill>
-              <a:effectLst/>
-              <a:latin typeface="Selawik Semibold" panose="020B0702040204020203" pitchFamily="34" charset="0"/>
-            </a:endParaRPr>
-          </a:p>
-          <a:p>
             <a:pPr marL="377100" lvl="1" indent="0">
               <a:spcBef>
                 <a:spcPts val="0"/>
@@ -12710,7 +13330,7 @@
           <p:cNvPr id="6" name="Picture 5">
             <a:extLst>
               <a:ext uri="{FF2B5EF4-FFF2-40B4-BE49-F238E27FC236}">
-                <a16:creationId xmlns:a16="http://schemas.microsoft.com/office/drawing/2014/main" id="{59FCDC1F-FAA3-6E9A-20A9-D830103F7D35}"/>
+                <a16:creationId xmlns:a16="http://schemas.microsoft.com/office/drawing/2014/main" id="{3078D86D-A8F4-233D-5539-E0C65FABADA9}"/>
               </a:ext>
             </a:extLst>
           </p:cNvPr>
@@ -12727,8 +13347,8 @@
         </p:blipFill>
         <p:spPr>
           <a:xfrm>
-            <a:off x="566142" y="2324506"/>
-            <a:ext cx="11346396" cy="2596315"/>
+            <a:off x="251405" y="1787040"/>
+            <a:ext cx="11689190" cy="3258004"/>
           </a:xfrm>
           <a:prstGeom prst="rect">
             <a:avLst/>
@@ -12740,62 +13360,10 @@
           </a:ln>
         </p:spPr>
       </p:pic>
-      <p:sp>
-        <p:nvSpPr>
-          <p:cNvPr id="3" name="Oval 2">
-            <a:extLst>
-              <a:ext uri="{FF2B5EF4-FFF2-40B4-BE49-F238E27FC236}">
-                <a16:creationId xmlns:a16="http://schemas.microsoft.com/office/drawing/2014/main" id="{411EFEB5-9280-4891-A4BF-E89FEF9B37CB}"/>
-              </a:ext>
-            </a:extLst>
-          </p:cNvPr>
-          <p:cNvSpPr/>
-          <p:nvPr/>
-        </p:nvSpPr>
-        <p:spPr>
-          <a:xfrm>
-            <a:off x="4214917" y="3450817"/>
-            <a:ext cx="1421954" cy="461426"/>
-          </a:xfrm>
-          <a:prstGeom prst="ellipse">
-            <a:avLst/>
-          </a:prstGeom>
-          <a:noFill/>
-          <a:ln w="38100">
-            <a:solidFill>
-              <a:srgbClr val="D34817"/>
-            </a:solidFill>
-          </a:ln>
-        </p:spPr>
-        <p:style>
-          <a:lnRef idx="2">
-            <a:schemeClr val="accent1">
-              <a:shade val="50000"/>
-            </a:schemeClr>
-          </a:lnRef>
-          <a:fillRef idx="1">
-            <a:schemeClr val="accent1"/>
-          </a:fillRef>
-          <a:effectRef idx="0">
-            <a:schemeClr val="accent1"/>
-          </a:effectRef>
-          <a:fontRef idx="minor">
-            <a:schemeClr val="lt1"/>
-          </a:fontRef>
-        </p:style>
-        <p:txBody>
-          <a:bodyPr rtlCol="0" anchor="ctr"/>
-          <a:lstStyle/>
-          <a:p>
-            <a:pPr algn="ctr"/>
-            <a:endParaRPr lang="en-US"/>
-          </a:p>
-        </p:txBody>
-      </p:sp>
     </p:spTree>
     <p:extLst>
       <p:ext uri="{BB962C8B-B14F-4D97-AF65-F5344CB8AC3E}">
-        <p14:creationId xmlns:p14="http://schemas.microsoft.com/office/powerpoint/2010/main" val="179609624"/>
+        <p14:creationId xmlns:p14="http://schemas.microsoft.com/office/powerpoint/2010/main" val="1458007921"/>
       </p:ext>
     </p:extLst>
   </p:cSld>
@@ -14062,33 +14630,8 @@
                 <a:effectLst/>
                 <a:latin typeface="Selawik Semibold" panose="020B0702040204020203" pitchFamily="34" charset="0"/>
               </a:rPr>
-              <a:t>Why Low Correlation? Possibly Due to Payroll Decisions</a:t>
-            </a:r>
-          </a:p>
-          <a:p>
-            <a:pPr marL="377100" lvl="1" indent="0">
-              <a:spcBef>
-                <a:spcPts val="0"/>
-              </a:spcBef>
-              <a:spcAft>
-                <a:spcPts val="0"/>
-              </a:spcAft>
-              <a:buClr>
-                <a:srgbClr val="D34817"/>
-              </a:buClr>
-              <a:buSzPct val="100000"/>
-              <a:buNone/>
-            </a:pPr>
-            <a:endParaRPr lang="en-US" sz="2000" dirty="0">
-              <a:solidFill>
-                <a:schemeClr val="bg2">
-                  <a:lumMod val="10000"/>
-                  <a:lumOff val="90000"/>
-                </a:schemeClr>
-              </a:solidFill>
-              <a:effectLst/>
-              <a:latin typeface="Selawik Semibold" panose="020B0702040204020203" pitchFamily="34" charset="0"/>
-            </a:endParaRPr>
+              <a:t>Why Low Correlation? </a:t>
+            </a:r>
           </a:p>
           <a:p>
             <a:pPr marL="377100" lvl="1" indent="0">
